--- a/trunk/PROJET/Soutenance Finale/Présentation finale.pptx
+++ b/trunk/PROJET/Soutenance Finale/Présentation finale.pptx
@@ -5,21 +5,26 @@
     <p:sldMasterId id="2147483648" r:id="rId1"/>
   </p:sldMasterIdLst>
   <p:notesMasterIdLst>
-    <p:notesMasterId r:id="rId11"/>
+    <p:notesMasterId r:id="rId16"/>
   </p:notesMasterIdLst>
   <p:handoutMasterIdLst>
-    <p:handoutMasterId r:id="rId12"/>
+    <p:handoutMasterId r:id="rId17"/>
   </p:handoutMasterIdLst>
   <p:sldIdLst>
     <p:sldId id="258" r:id="rId2"/>
     <p:sldId id="266" r:id="rId3"/>
-    <p:sldId id="259" r:id="rId4"/>
-    <p:sldId id="260" r:id="rId5"/>
-    <p:sldId id="261" r:id="rId6"/>
-    <p:sldId id="262" r:id="rId7"/>
-    <p:sldId id="263" r:id="rId8"/>
-    <p:sldId id="264" r:id="rId9"/>
-    <p:sldId id="265" r:id="rId10"/>
+    <p:sldId id="267" r:id="rId4"/>
+    <p:sldId id="268" r:id="rId5"/>
+    <p:sldId id="273" r:id="rId6"/>
+    <p:sldId id="274" r:id="rId7"/>
+    <p:sldId id="275" r:id="rId8"/>
+    <p:sldId id="276" r:id="rId9"/>
+    <p:sldId id="260" r:id="rId10"/>
+    <p:sldId id="261" r:id="rId11"/>
+    <p:sldId id="262" r:id="rId12"/>
+    <p:sldId id="263" r:id="rId13"/>
+    <p:sldId id="264" r:id="rId14"/>
+    <p:sldId id="265" r:id="rId15"/>
   </p:sldIdLst>
   <p:sldSz cx="9144000" cy="6858000" type="screen4x3"/>
   <p:notesSz cx="6858000" cy="9144000"/>
@@ -203,7 +208,7 @@
           <a:p>
             <a:fld id="{D867118A-B433-468F-BC32-6BD77E84A3EF}" type="datetimeFigureOut">
               <a:rPr lang="fr-FR" smtClean="0"/>
-              <a:t>13/02/2011</a:t>
+              <a:t>15/02/2011</a:t>
             </a:fld>
             <a:endParaRPr lang="fr-FR"/>
           </a:p>
@@ -280,6 +285,11 @@
         </p:txBody>
       </p:sp>
     </p:spTree>
+    <p:extLst>
+      <p:ext uri="{BB962C8B-B14F-4D97-AF65-F5344CB8AC3E}">
+        <p14:creationId xmlns:p14="http://schemas.microsoft.com/office/powerpoint/2010/main" val="4221189785"/>
+      </p:ext>
+    </p:extLst>
   </p:cSld>
   <p:clrMap bg1="lt1" tx1="dk1" bg2="lt2" tx2="dk2" accent1="accent1" accent2="accent2" accent3="accent3" accent4="accent4" accent5="accent5" accent6="accent6" hlink="hlink" folHlink="folHlink"/>
   <p:hf hdr="0" ftr="0" dt="0"/>
@@ -368,7 +378,7 @@
           <a:p>
             <a:fld id="{C0132854-3691-4D22-8194-30C18A0F86B4}" type="datetimeFigureOut">
               <a:rPr lang="fr-FR" smtClean="0"/>
-              <a:t>13/02/2011</a:t>
+              <a:t>15/02/2011</a:t>
             </a:fld>
             <a:endParaRPr lang="fr-FR"/>
           </a:p>
@@ -540,6 +550,11 @@
         </p:txBody>
       </p:sp>
     </p:spTree>
+    <p:extLst>
+      <p:ext uri="{BB962C8B-B14F-4D97-AF65-F5344CB8AC3E}">
+        <p14:creationId xmlns:p14="http://schemas.microsoft.com/office/powerpoint/2010/main" val="3995352695"/>
+      </p:ext>
+    </p:extLst>
   </p:cSld>
   <p:clrMap bg1="lt1" tx1="dk1" bg2="lt2" tx2="dk2" accent1="accent1" accent2="accent2" accent3="accent3" accent4="accent4" accent5="accent5" accent6="accent6" hlink="hlink" folHlink="folHlink"/>
   <p:hf hdr="0" ftr="0" dt="0"/>
@@ -753,7 +768,7 @@
           <a:p>
             <a:fld id="{04088408-60A7-4A69-AD55-8B4CC51DBBE4}" type="datetime1">
               <a:rPr lang="fr-FR" smtClean="0"/>
-              <a:t>13/02/2011</a:t>
+              <a:t>15/02/2011</a:t>
             </a:fld>
             <a:endParaRPr lang="fr-FR"/>
           </a:p>
@@ -1362,6 +1377,248 @@
         </p:txBody>
       </p:sp>
     </p:spTree>
+  </p:cSld>
+  <p:clrMapOvr>
+    <a:masterClrMapping/>
+  </p:clrMapOvr>
+</p:sldLayout>
+</file>
+
+<file path=ppt/slideLayouts/slideLayout10.xml><?xml version="1.0" encoding="utf-8"?>
+<p:sldLayout xmlns:a="http://schemas.openxmlformats.org/drawingml/2006/main" xmlns:r="http://schemas.openxmlformats.org/officeDocument/2006/relationships" xmlns:p="http://schemas.openxmlformats.org/presentationml/2006/main" type="title">
+  <p:cSld name="Diapositive de titre">
+    <p:spTree>
+      <p:nvGrpSpPr>
+        <p:cNvPr id="1" name=""/>
+        <p:cNvGrpSpPr/>
+        <p:nvPr/>
+      </p:nvGrpSpPr>
+      <p:grpSpPr>
+        <a:xfrm>
+          <a:off x="0" y="0"/>
+          <a:ext cx="0" cy="0"/>
+          <a:chOff x="0" y="0"/>
+          <a:chExt cx="0" cy="0"/>
+        </a:xfrm>
+      </p:grpSpPr>
+      <p:sp>
+        <p:nvSpPr>
+          <p:cNvPr id="2" name="Titre 1"/>
+          <p:cNvSpPr>
+            <a:spLocks noGrp="1"/>
+          </p:cNvSpPr>
+          <p:nvPr>
+            <p:ph type="ctrTitle"/>
+          </p:nvPr>
+        </p:nvSpPr>
+        <p:spPr>
+          <a:xfrm>
+            <a:off x="685800" y="2130425"/>
+            <a:ext cx="7772400" cy="1470025"/>
+          </a:xfrm>
+        </p:spPr>
+        <p:txBody>
+          <a:bodyPr/>
+          <a:lstStyle/>
+          <a:p>
+            <a:r>
+              <a:rPr lang="fr-CH" smtClean="0"/>
+              <a:t>Cliquez et modifiez le titre</a:t>
+            </a:r>
+            <a:endParaRPr lang="fr-FR"/>
+          </a:p>
+        </p:txBody>
+      </p:sp>
+      <p:sp>
+        <p:nvSpPr>
+          <p:cNvPr id="3" name="Sous-titre 2"/>
+          <p:cNvSpPr>
+            <a:spLocks noGrp="1"/>
+          </p:cNvSpPr>
+          <p:nvPr>
+            <p:ph type="subTitle" idx="1"/>
+          </p:nvPr>
+        </p:nvSpPr>
+        <p:spPr>
+          <a:xfrm>
+            <a:off x="1371600" y="3886200"/>
+            <a:ext cx="6400800" cy="1752600"/>
+          </a:xfrm>
+        </p:spPr>
+        <p:txBody>
+          <a:bodyPr/>
+          <a:lstStyle>
+            <a:lvl1pPr marL="0" indent="0" algn="ctr">
+              <a:buNone/>
+              <a:defRPr>
+                <a:solidFill>
+                  <a:schemeClr val="tx1">
+                    <a:tint val="75000"/>
+                  </a:schemeClr>
+                </a:solidFill>
+              </a:defRPr>
+            </a:lvl1pPr>
+            <a:lvl2pPr marL="457200" indent="0" algn="ctr">
+              <a:buNone/>
+              <a:defRPr>
+                <a:solidFill>
+                  <a:schemeClr val="tx1">
+                    <a:tint val="75000"/>
+                  </a:schemeClr>
+                </a:solidFill>
+              </a:defRPr>
+            </a:lvl2pPr>
+            <a:lvl3pPr marL="914400" indent="0" algn="ctr">
+              <a:buNone/>
+              <a:defRPr>
+                <a:solidFill>
+                  <a:schemeClr val="tx1">
+                    <a:tint val="75000"/>
+                  </a:schemeClr>
+                </a:solidFill>
+              </a:defRPr>
+            </a:lvl3pPr>
+            <a:lvl4pPr marL="1371600" indent="0" algn="ctr">
+              <a:buNone/>
+              <a:defRPr>
+                <a:solidFill>
+                  <a:schemeClr val="tx1">
+                    <a:tint val="75000"/>
+                  </a:schemeClr>
+                </a:solidFill>
+              </a:defRPr>
+            </a:lvl4pPr>
+            <a:lvl5pPr marL="1828800" indent="0" algn="ctr">
+              <a:buNone/>
+              <a:defRPr>
+                <a:solidFill>
+                  <a:schemeClr val="tx1">
+                    <a:tint val="75000"/>
+                  </a:schemeClr>
+                </a:solidFill>
+              </a:defRPr>
+            </a:lvl5pPr>
+            <a:lvl6pPr marL="2286000" indent="0" algn="ctr">
+              <a:buNone/>
+              <a:defRPr>
+                <a:solidFill>
+                  <a:schemeClr val="tx1">
+                    <a:tint val="75000"/>
+                  </a:schemeClr>
+                </a:solidFill>
+              </a:defRPr>
+            </a:lvl6pPr>
+            <a:lvl7pPr marL="2743200" indent="0" algn="ctr">
+              <a:buNone/>
+              <a:defRPr>
+                <a:solidFill>
+                  <a:schemeClr val="tx1">
+                    <a:tint val="75000"/>
+                  </a:schemeClr>
+                </a:solidFill>
+              </a:defRPr>
+            </a:lvl7pPr>
+            <a:lvl8pPr marL="3200400" indent="0" algn="ctr">
+              <a:buNone/>
+              <a:defRPr>
+                <a:solidFill>
+                  <a:schemeClr val="tx1">
+                    <a:tint val="75000"/>
+                  </a:schemeClr>
+                </a:solidFill>
+              </a:defRPr>
+            </a:lvl8pPr>
+            <a:lvl9pPr marL="3657600" indent="0" algn="ctr">
+              <a:buNone/>
+              <a:defRPr>
+                <a:solidFill>
+                  <a:schemeClr val="tx1">
+                    <a:tint val="75000"/>
+                  </a:schemeClr>
+                </a:solidFill>
+              </a:defRPr>
+            </a:lvl9pPr>
+          </a:lstStyle>
+          <a:p>
+            <a:r>
+              <a:rPr lang="fr-CH" smtClean="0"/>
+              <a:t>Cliquez pour modifier le style des sous-titres du masque</a:t>
+            </a:r>
+            <a:endParaRPr lang="fr-FR"/>
+          </a:p>
+        </p:txBody>
+      </p:sp>
+      <p:sp>
+        <p:nvSpPr>
+          <p:cNvPr id="4" name="Espace réservé de la date 3"/>
+          <p:cNvSpPr>
+            <a:spLocks noGrp="1"/>
+          </p:cNvSpPr>
+          <p:nvPr>
+            <p:ph type="dt" sz="half" idx="10"/>
+          </p:nvPr>
+        </p:nvSpPr>
+        <p:spPr/>
+        <p:txBody>
+          <a:bodyPr/>
+          <a:lstStyle/>
+          <a:p>
+            <a:fld id="{40D765DC-39D3-EB4A-97D9-187D23C8763D}" type="datetimeFigureOut">
+              <a:rPr lang="fr-FR" smtClean="0"/>
+              <a:t>15/02/2011</a:t>
+            </a:fld>
+            <a:endParaRPr lang="fr-FR"/>
+          </a:p>
+        </p:txBody>
+      </p:sp>
+      <p:sp>
+        <p:nvSpPr>
+          <p:cNvPr id="5" name="Espace réservé du pied de page 4"/>
+          <p:cNvSpPr>
+            <a:spLocks noGrp="1"/>
+          </p:cNvSpPr>
+          <p:nvPr>
+            <p:ph type="ftr" sz="quarter" idx="11"/>
+          </p:nvPr>
+        </p:nvSpPr>
+        <p:spPr/>
+        <p:txBody>
+          <a:bodyPr/>
+          <a:lstStyle/>
+          <a:p>
+            <a:endParaRPr lang="fr-FR"/>
+          </a:p>
+        </p:txBody>
+      </p:sp>
+      <p:sp>
+        <p:nvSpPr>
+          <p:cNvPr id="6" name="Espace réservé du numéro de diapositive 5"/>
+          <p:cNvSpPr>
+            <a:spLocks noGrp="1"/>
+          </p:cNvSpPr>
+          <p:nvPr>
+            <p:ph type="sldNum" sz="quarter" idx="12"/>
+          </p:nvPr>
+        </p:nvSpPr>
+        <p:spPr/>
+        <p:txBody>
+          <a:bodyPr/>
+          <a:lstStyle/>
+          <a:p>
+            <a:fld id="{DCAE42DC-8F78-4B48-A2F6-A112AB3EAB70}" type="slidenum">
+              <a:rPr lang="fr-FR" smtClean="0"/>
+              <a:t>‹N°›</a:t>
+            </a:fld>
+            <a:endParaRPr lang="fr-FR"/>
+          </a:p>
+        </p:txBody>
+      </p:sp>
+    </p:spTree>
+    <p:extLst>
+      <p:ext uri="{BB962C8B-B14F-4D97-AF65-F5344CB8AC3E}">
+        <p14:creationId xmlns:p14="http://schemas.microsoft.com/office/powerpoint/2010/main" val="1868048852"/>
+      </p:ext>
+    </p:extLst>
   </p:cSld>
   <p:clrMapOvr>
     <a:masterClrMapping/>
@@ -1771,7 +2028,7 @@
           <a:p>
             <a:fld id="{0429B0AF-5672-4113-853C-C3A4A5CC5BEA}" type="datetime1">
               <a:rPr lang="fr-FR" smtClean="0"/>
-              <a:t>13/02/2011</a:t>
+              <a:t>15/02/2011</a:t>
             </a:fld>
             <a:endParaRPr lang="fr-FR"/>
           </a:p>
@@ -1982,7 +2239,7 @@
           <a:p>
             <a:fld id="{D59A88EB-FB72-4CF4-971C-BA8A2CF6FF78}" type="datetime1">
               <a:rPr lang="fr-FR" smtClean="0"/>
-              <a:t>13/02/2011</a:t>
+              <a:t>15/02/2011</a:t>
             </a:fld>
             <a:endParaRPr lang="fr-FR"/>
           </a:p>
@@ -2600,7 +2857,7 @@
           <a:p>
             <a:fld id="{3E2F0B67-9623-4FD7-83CE-49ACD1045228}" type="datetime1">
               <a:rPr lang="fr-FR" smtClean="0"/>
-              <a:t>13/02/2011</a:t>
+              <a:t>15/02/2011</a:t>
             </a:fld>
             <a:endParaRPr lang="fr-FR"/>
           </a:p>
@@ -3188,7 +3445,7 @@
           <a:p>
             <a:fld id="{DE31888E-7959-456A-AA95-CE92EF64A6F7}" type="datetime1">
               <a:rPr lang="fr-FR" smtClean="0"/>
-              <a:t>13/02/2011</a:t>
+              <a:t>15/02/2011</a:t>
             </a:fld>
             <a:endParaRPr lang="fr-FR"/>
           </a:p>
@@ -3824,7 +4081,7 @@
           <a:p>
             <a:fld id="{839AC42C-4910-4162-8D76-EA4037F80803}" type="datetime1">
               <a:rPr lang="fr-FR" smtClean="0"/>
-              <a:t>13/02/2011</a:t>
+              <a:t>15/02/2011</a:t>
             </a:fld>
             <a:endParaRPr lang="fr-FR"/>
           </a:p>
@@ -4462,7 +4719,7 @@
           <a:p>
             <a:fld id="{C9115CAE-B517-434E-85AE-842D126D49C8}" type="datetime1">
               <a:rPr lang="fr-FR" smtClean="0"/>
-              <a:t>13/02/2011</a:t>
+              <a:t>15/02/2011</a:t>
             </a:fld>
             <a:endParaRPr lang="fr-FR"/>
           </a:p>
@@ -5091,7 +5348,7 @@
           <a:p>
             <a:fld id="{4461D96B-2E50-4754-B45F-0F5F669BAFFA}" type="datetime1">
               <a:rPr lang="fr-FR" smtClean="0"/>
-              <a:t>13/02/2011</a:t>
+              <a:t>15/02/2011</a:t>
             </a:fld>
             <a:endParaRPr lang="fr-FR"/>
           </a:p>
@@ -5293,16 +5550,7 @@
                 </a:solidFill>
                 <a:latin typeface="+mn-lt"/>
               </a:rPr>
-              <a:t> </a:t>
-            </a:r>
-            <a:r>
-              <a:rPr lang="en-US" sz="1200" u="none" dirty="0" smtClean="0">
-                <a:solidFill>
-                  <a:srgbClr val="002232"/>
-                </a:solidFill>
-                <a:latin typeface="+mn-lt"/>
-              </a:rPr>
-              <a:t>Sylvain LEQUANG</a:t>
+              <a:t> Sylvain LEQUANG</a:t>
             </a:r>
           </a:p>
           <a:p>
@@ -5723,7 +5971,7 @@
           <a:p>
             <a:fld id="{F3677BDC-1A22-4676-9B0B-CD961956CFB0}" type="datetime1">
               <a:rPr lang="fr-FR" smtClean="0"/>
-              <a:t>13/02/2011</a:t>
+              <a:t>15/02/2011</a:t>
             </a:fld>
             <a:endParaRPr lang="fr-FR"/>
           </a:p>
@@ -6377,7 +6625,7 @@
           <a:p>
             <a:fld id="{04088408-60A7-4A69-AD55-8B4CC51DBBE4}" type="datetime1">
               <a:rPr lang="fr-FR" smtClean="0"/>
-              <a:t>13/02/2011</a:t>
+              <a:t>15/02/2011</a:t>
             </a:fld>
             <a:endParaRPr lang="fr-FR"/>
           </a:p>
@@ -6477,7 +6725,7 @@
           <p:nvPr userDrawn="1"/>
         </p:nvPicPr>
         <p:blipFill>
-          <a:blip r:embed="rId11" cstate="print"/>
+          <a:blip r:embed="rId12" cstate="print"/>
           <a:srcRect t="24278"/>
           <a:stretch>
             <a:fillRect/>
@@ -6555,7 +6803,7 @@
           <p:nvPr userDrawn="1"/>
         </p:nvPicPr>
         <p:blipFill>
-          <a:blip r:embed="rId12" cstate="print"/>
+          <a:blip r:embed="rId13" cstate="print"/>
           <a:srcRect/>
           <a:stretch>
             <a:fillRect/>
@@ -6587,7 +6835,7 @@
           <p:nvPr userDrawn="1"/>
         </p:nvPicPr>
         <p:blipFill>
-          <a:blip r:embed="rId13" cstate="print"/>
+          <a:blip r:embed="rId14" cstate="print"/>
           <a:srcRect/>
           <a:stretch>
             <a:fillRect/>
@@ -6617,6 +6865,7 @@
     <p:sldLayoutId id="2147483658" r:id="rId7"/>
     <p:sldLayoutId id="2147483659" r:id="rId8"/>
     <p:sldLayoutId id="2147483652" r:id="rId9"/>
+    <p:sldLayoutId id="2147483661" r:id="rId10"/>
   </p:sldLayoutIdLst>
   <p:hf hdr="0" ftr="0" dt="0"/>
   <p:txStyles>
@@ -6939,6 +7188,436 @@
 </p:sld>
 </file>
 
+<file path=ppt/slides/slide10.xml><?xml version="1.0" encoding="utf-8"?>
+<p:sld xmlns:a="http://schemas.openxmlformats.org/drawingml/2006/main" xmlns:r="http://schemas.openxmlformats.org/officeDocument/2006/relationships" xmlns:p="http://schemas.openxmlformats.org/presentationml/2006/main">
+  <p:cSld>
+    <p:spTree>
+      <p:nvGrpSpPr>
+        <p:cNvPr id="1" name=""/>
+        <p:cNvGrpSpPr/>
+        <p:nvPr/>
+      </p:nvGrpSpPr>
+      <p:grpSpPr>
+        <a:xfrm>
+          <a:off x="0" y="0"/>
+          <a:ext cx="0" cy="0"/>
+          <a:chOff x="0" y="0"/>
+          <a:chExt cx="0" cy="0"/>
+        </a:xfrm>
+      </p:grpSpPr>
+      <p:sp>
+        <p:nvSpPr>
+          <p:cNvPr id="2" name="Espace réservé du numéro de diapositive 1"/>
+          <p:cNvSpPr>
+            <a:spLocks noGrp="1"/>
+          </p:cNvSpPr>
+          <p:nvPr>
+            <p:ph type="sldNum" sz="quarter" idx="4"/>
+          </p:nvPr>
+        </p:nvSpPr>
+        <p:spPr/>
+        <p:txBody>
+          <a:bodyPr/>
+          <a:lstStyle/>
+          <a:p>
+            <a:r>
+              <a:rPr lang="fr-FR" smtClean="0"/>
+              <a:t>Groupe 2 : Diapositive </a:t>
+            </a:r>
+            <a:fld id="{DD0687C1-896A-4A7D-8F8C-EE6B0ED28203}" type="slidenum">
+              <a:rPr lang="fr-FR" smtClean="0"/>
+              <a:pPr/>
+              <a:t>10</a:t>
+            </a:fld>
+            <a:r>
+              <a:rPr lang="fr-FR" smtClean="0"/>
+              <a:t> / X</a:t>
+            </a:r>
+            <a:endParaRPr lang="fr-FR" dirty="0"/>
+          </a:p>
+        </p:txBody>
+      </p:sp>
+      <p:sp>
+        <p:nvSpPr>
+          <p:cNvPr id="4" name="Espace réservé du contenu 3"/>
+          <p:cNvSpPr>
+            <a:spLocks noGrp="1"/>
+          </p:cNvSpPr>
+          <p:nvPr>
+            <p:ph idx="1"/>
+          </p:nvPr>
+        </p:nvSpPr>
+        <p:spPr/>
+        <p:txBody>
+          <a:bodyPr/>
+          <a:lstStyle/>
+          <a:p>
+            <a:endParaRPr lang="fr-FR"/>
+          </a:p>
+        </p:txBody>
+      </p:sp>
+    </p:spTree>
+  </p:cSld>
+  <p:clrMapOvr>
+    <a:masterClrMapping/>
+  </p:clrMapOvr>
+  <p:transition>
+    <p:fade/>
+  </p:transition>
+  <p:timing>
+    <p:tnLst>
+      <p:par>
+        <p:cTn id="1" dur="indefinite" restart="never" nodeType="tmRoot"/>
+      </p:par>
+    </p:tnLst>
+  </p:timing>
+</p:sld>
+</file>
+
+<file path=ppt/slides/slide11.xml><?xml version="1.0" encoding="utf-8"?>
+<p:sld xmlns:a="http://schemas.openxmlformats.org/drawingml/2006/main" xmlns:r="http://schemas.openxmlformats.org/officeDocument/2006/relationships" xmlns:p="http://schemas.openxmlformats.org/presentationml/2006/main">
+  <p:cSld>
+    <p:spTree>
+      <p:nvGrpSpPr>
+        <p:cNvPr id="1" name=""/>
+        <p:cNvGrpSpPr/>
+        <p:nvPr/>
+      </p:nvGrpSpPr>
+      <p:grpSpPr>
+        <a:xfrm>
+          <a:off x="0" y="0"/>
+          <a:ext cx="0" cy="0"/>
+          <a:chOff x="0" y="0"/>
+          <a:chExt cx="0" cy="0"/>
+        </a:xfrm>
+      </p:grpSpPr>
+      <p:sp>
+        <p:nvSpPr>
+          <p:cNvPr id="2" name="Espace réservé du numéro de diapositive 1"/>
+          <p:cNvSpPr>
+            <a:spLocks noGrp="1"/>
+          </p:cNvSpPr>
+          <p:nvPr>
+            <p:ph type="sldNum" sz="quarter" idx="4"/>
+          </p:nvPr>
+        </p:nvSpPr>
+        <p:spPr/>
+        <p:txBody>
+          <a:bodyPr/>
+          <a:lstStyle/>
+          <a:p>
+            <a:r>
+              <a:rPr lang="fr-FR" smtClean="0"/>
+              <a:t>Groupe 2 : Diapositive </a:t>
+            </a:r>
+            <a:fld id="{DD0687C1-896A-4A7D-8F8C-EE6B0ED28203}" type="slidenum">
+              <a:rPr lang="fr-FR" smtClean="0"/>
+              <a:pPr/>
+              <a:t>11</a:t>
+            </a:fld>
+            <a:r>
+              <a:rPr lang="fr-FR" smtClean="0"/>
+              <a:t> / X</a:t>
+            </a:r>
+            <a:endParaRPr lang="fr-FR" dirty="0"/>
+          </a:p>
+        </p:txBody>
+      </p:sp>
+      <p:sp>
+        <p:nvSpPr>
+          <p:cNvPr id="4" name="Espace réservé du contenu 3"/>
+          <p:cNvSpPr>
+            <a:spLocks noGrp="1"/>
+          </p:cNvSpPr>
+          <p:nvPr>
+            <p:ph idx="1"/>
+          </p:nvPr>
+        </p:nvSpPr>
+        <p:spPr/>
+        <p:txBody>
+          <a:bodyPr/>
+          <a:lstStyle/>
+          <a:p>
+            <a:endParaRPr lang="fr-FR"/>
+          </a:p>
+        </p:txBody>
+      </p:sp>
+    </p:spTree>
+  </p:cSld>
+  <p:clrMapOvr>
+    <a:masterClrMapping/>
+  </p:clrMapOvr>
+  <p:transition>
+    <p:fade/>
+  </p:transition>
+  <p:timing>
+    <p:tnLst>
+      <p:par>
+        <p:cTn id="1" dur="indefinite" restart="never" nodeType="tmRoot"/>
+      </p:par>
+    </p:tnLst>
+  </p:timing>
+</p:sld>
+</file>
+
+<file path=ppt/slides/slide12.xml><?xml version="1.0" encoding="utf-8"?>
+<p:sld xmlns:a="http://schemas.openxmlformats.org/drawingml/2006/main" xmlns:r="http://schemas.openxmlformats.org/officeDocument/2006/relationships" xmlns:p="http://schemas.openxmlformats.org/presentationml/2006/main">
+  <p:cSld>
+    <p:spTree>
+      <p:nvGrpSpPr>
+        <p:cNvPr id="1" name=""/>
+        <p:cNvGrpSpPr/>
+        <p:nvPr/>
+      </p:nvGrpSpPr>
+      <p:grpSpPr>
+        <a:xfrm>
+          <a:off x="0" y="0"/>
+          <a:ext cx="0" cy="0"/>
+          <a:chOff x="0" y="0"/>
+          <a:chExt cx="0" cy="0"/>
+        </a:xfrm>
+      </p:grpSpPr>
+      <p:sp>
+        <p:nvSpPr>
+          <p:cNvPr id="2" name="Espace réservé du numéro de diapositive 1"/>
+          <p:cNvSpPr>
+            <a:spLocks noGrp="1"/>
+          </p:cNvSpPr>
+          <p:nvPr>
+            <p:ph type="sldNum" sz="quarter" idx="4"/>
+          </p:nvPr>
+        </p:nvSpPr>
+        <p:spPr/>
+        <p:txBody>
+          <a:bodyPr/>
+          <a:lstStyle/>
+          <a:p>
+            <a:r>
+              <a:rPr lang="fr-FR" smtClean="0"/>
+              <a:t>Groupe 2 : Diapositive </a:t>
+            </a:r>
+            <a:fld id="{DD0687C1-896A-4A7D-8F8C-EE6B0ED28203}" type="slidenum">
+              <a:rPr lang="fr-FR" smtClean="0"/>
+              <a:pPr/>
+              <a:t>12</a:t>
+            </a:fld>
+            <a:r>
+              <a:rPr lang="fr-FR" smtClean="0"/>
+              <a:t> / X</a:t>
+            </a:r>
+            <a:endParaRPr lang="fr-FR" dirty="0"/>
+          </a:p>
+        </p:txBody>
+      </p:sp>
+      <p:sp>
+        <p:nvSpPr>
+          <p:cNvPr id="4" name="Espace réservé du contenu 3"/>
+          <p:cNvSpPr>
+            <a:spLocks noGrp="1"/>
+          </p:cNvSpPr>
+          <p:nvPr>
+            <p:ph idx="1"/>
+          </p:nvPr>
+        </p:nvSpPr>
+        <p:spPr/>
+        <p:txBody>
+          <a:bodyPr/>
+          <a:lstStyle/>
+          <a:p>
+            <a:endParaRPr lang="fr-FR"/>
+          </a:p>
+        </p:txBody>
+      </p:sp>
+    </p:spTree>
+  </p:cSld>
+  <p:clrMapOvr>
+    <a:masterClrMapping/>
+  </p:clrMapOvr>
+  <p:transition>
+    <p:fade/>
+  </p:transition>
+  <p:timing>
+    <p:tnLst>
+      <p:par>
+        <p:cTn id="1" dur="indefinite" restart="never" nodeType="tmRoot"/>
+      </p:par>
+    </p:tnLst>
+  </p:timing>
+</p:sld>
+</file>
+
+<file path=ppt/slides/slide13.xml><?xml version="1.0" encoding="utf-8"?>
+<p:sld xmlns:a="http://schemas.openxmlformats.org/drawingml/2006/main" xmlns:r="http://schemas.openxmlformats.org/officeDocument/2006/relationships" xmlns:p="http://schemas.openxmlformats.org/presentationml/2006/main">
+  <p:cSld>
+    <p:spTree>
+      <p:nvGrpSpPr>
+        <p:cNvPr id="1" name=""/>
+        <p:cNvGrpSpPr/>
+        <p:nvPr/>
+      </p:nvGrpSpPr>
+      <p:grpSpPr>
+        <a:xfrm>
+          <a:off x="0" y="0"/>
+          <a:ext cx="0" cy="0"/>
+          <a:chOff x="0" y="0"/>
+          <a:chExt cx="0" cy="0"/>
+        </a:xfrm>
+      </p:grpSpPr>
+      <p:sp>
+        <p:nvSpPr>
+          <p:cNvPr id="2" name="Espace réservé du numéro de diapositive 1"/>
+          <p:cNvSpPr>
+            <a:spLocks noGrp="1"/>
+          </p:cNvSpPr>
+          <p:nvPr>
+            <p:ph type="sldNum" sz="quarter" idx="4"/>
+          </p:nvPr>
+        </p:nvSpPr>
+        <p:spPr/>
+        <p:txBody>
+          <a:bodyPr/>
+          <a:lstStyle/>
+          <a:p>
+            <a:r>
+              <a:rPr lang="fr-FR" smtClean="0"/>
+              <a:t>Groupe 2 : Diapositive </a:t>
+            </a:r>
+            <a:fld id="{DD0687C1-896A-4A7D-8F8C-EE6B0ED28203}" type="slidenum">
+              <a:rPr lang="fr-FR" smtClean="0"/>
+              <a:pPr/>
+              <a:t>13</a:t>
+            </a:fld>
+            <a:r>
+              <a:rPr lang="fr-FR" smtClean="0"/>
+              <a:t> / X</a:t>
+            </a:r>
+            <a:endParaRPr lang="fr-FR" dirty="0"/>
+          </a:p>
+        </p:txBody>
+      </p:sp>
+      <p:sp>
+        <p:nvSpPr>
+          <p:cNvPr id="4" name="Espace réservé du contenu 3"/>
+          <p:cNvSpPr>
+            <a:spLocks noGrp="1"/>
+          </p:cNvSpPr>
+          <p:nvPr>
+            <p:ph idx="1"/>
+          </p:nvPr>
+        </p:nvSpPr>
+        <p:spPr/>
+        <p:txBody>
+          <a:bodyPr/>
+          <a:lstStyle/>
+          <a:p>
+            <a:endParaRPr lang="fr-FR"/>
+          </a:p>
+        </p:txBody>
+      </p:sp>
+    </p:spTree>
+  </p:cSld>
+  <p:clrMapOvr>
+    <a:masterClrMapping/>
+  </p:clrMapOvr>
+  <p:transition>
+    <p:fade/>
+  </p:transition>
+  <p:timing>
+    <p:tnLst>
+      <p:par>
+        <p:cTn id="1" dur="indefinite" restart="never" nodeType="tmRoot"/>
+      </p:par>
+    </p:tnLst>
+  </p:timing>
+</p:sld>
+</file>
+
+<file path=ppt/slides/slide14.xml><?xml version="1.0" encoding="utf-8"?>
+<p:sld xmlns:a="http://schemas.openxmlformats.org/drawingml/2006/main" xmlns:r="http://schemas.openxmlformats.org/officeDocument/2006/relationships" xmlns:p="http://schemas.openxmlformats.org/presentationml/2006/main">
+  <p:cSld>
+    <p:spTree>
+      <p:nvGrpSpPr>
+        <p:cNvPr id="1" name=""/>
+        <p:cNvGrpSpPr/>
+        <p:nvPr/>
+      </p:nvGrpSpPr>
+      <p:grpSpPr>
+        <a:xfrm>
+          <a:off x="0" y="0"/>
+          <a:ext cx="0" cy="0"/>
+          <a:chOff x="0" y="0"/>
+          <a:chExt cx="0" cy="0"/>
+        </a:xfrm>
+      </p:grpSpPr>
+      <p:sp>
+        <p:nvSpPr>
+          <p:cNvPr id="2" name="Espace réservé du numéro de diapositive 1"/>
+          <p:cNvSpPr>
+            <a:spLocks noGrp="1"/>
+          </p:cNvSpPr>
+          <p:nvPr>
+            <p:ph type="sldNum" sz="quarter" idx="4"/>
+          </p:nvPr>
+        </p:nvSpPr>
+        <p:spPr/>
+        <p:txBody>
+          <a:bodyPr/>
+          <a:lstStyle/>
+          <a:p>
+            <a:r>
+              <a:rPr lang="fr-FR" smtClean="0"/>
+              <a:t>Groupe 2 : Diapositive </a:t>
+            </a:r>
+            <a:fld id="{DD0687C1-896A-4A7D-8F8C-EE6B0ED28203}" type="slidenum">
+              <a:rPr lang="fr-FR" smtClean="0"/>
+              <a:pPr/>
+              <a:t>14</a:t>
+            </a:fld>
+            <a:r>
+              <a:rPr lang="fr-FR" smtClean="0"/>
+              <a:t> / X</a:t>
+            </a:r>
+            <a:endParaRPr lang="fr-FR" dirty="0"/>
+          </a:p>
+        </p:txBody>
+      </p:sp>
+      <p:sp>
+        <p:nvSpPr>
+          <p:cNvPr id="4" name="Espace réservé du contenu 3"/>
+          <p:cNvSpPr>
+            <a:spLocks noGrp="1"/>
+          </p:cNvSpPr>
+          <p:nvPr>
+            <p:ph idx="1"/>
+          </p:nvPr>
+        </p:nvSpPr>
+        <p:spPr/>
+        <p:txBody>
+          <a:bodyPr/>
+          <a:lstStyle/>
+          <a:p>
+            <a:endParaRPr lang="fr-FR"/>
+          </a:p>
+        </p:txBody>
+      </p:sp>
+    </p:spTree>
+  </p:cSld>
+  <p:clrMapOvr>
+    <a:masterClrMapping/>
+  </p:clrMapOvr>
+  <p:transition>
+    <p:fade/>
+  </p:transition>
+  <p:timing>
+    <p:tnLst>
+      <p:par>
+        <p:cTn id="1" dur="indefinite" restart="never" nodeType="tmRoot"/>
+      </p:par>
+    </p:tnLst>
+  </p:timing>
+</p:sld>
+</file>
+
 <file path=ppt/slides/slide2.xml><?xml version="1.0" encoding="utf-8"?>
 <p:sld xmlns:a="http://schemas.openxmlformats.org/drawingml/2006/main" xmlns:r="http://schemas.openxmlformats.org/officeDocument/2006/relationships" xmlns:p="http://schemas.openxmlformats.org/presentationml/2006/main">
   <p:cSld>
@@ -6968,10 +7647,59 @@
         </p:nvSpPr>
         <p:spPr/>
         <p:txBody>
-          <a:bodyPr/>
-          <a:lstStyle/>
-          <a:p>
-            <a:endParaRPr lang="fr-FR"/>
+          <a:bodyPr>
+            <a:normAutofit fontScale="92500" lnSpcReduction="20000"/>
+          </a:bodyPr>
+          <a:lstStyle/>
+          <a:p>
+            <a:r>
+              <a:rPr lang="fr-FR" dirty="0" smtClean="0"/>
+              <a:t>Réponse à un appel d’offre de </a:t>
+            </a:r>
+            <a:r>
+              <a:rPr lang="fr-FR" dirty="0" err="1" smtClean="0"/>
+              <a:t>Darties</a:t>
+            </a:r>
+            <a:endParaRPr lang="fr-FR" dirty="0" smtClean="0"/>
+          </a:p>
+          <a:p>
+            <a:endParaRPr lang="fr-FR" dirty="0"/>
+          </a:p>
+          <a:p>
+            <a:r>
+              <a:rPr lang="fr-FR" dirty="0"/>
+              <a:t>Fournir une application de tableaux de bord</a:t>
+            </a:r>
+          </a:p>
+          <a:p>
+            <a:endParaRPr lang="fr-FR" dirty="0" smtClean="0"/>
+          </a:p>
+          <a:p>
+            <a:r>
+              <a:rPr lang="fr-FR" dirty="0" smtClean="0"/>
+              <a:t>Compétences de l’ISTIL-EPU dans les projets BI</a:t>
+            </a:r>
+          </a:p>
+          <a:p>
+            <a:pPr lvl="1"/>
+            <a:r>
+              <a:rPr lang="fr-FR" dirty="0" smtClean="0"/>
+              <a:t>Alimentation</a:t>
+            </a:r>
+          </a:p>
+          <a:p>
+            <a:pPr lvl="1"/>
+            <a:r>
+              <a:rPr lang="fr-FR" dirty="0" smtClean="0"/>
+              <a:t>Restitution</a:t>
+            </a:r>
+          </a:p>
+          <a:p>
+            <a:pPr lvl="1"/>
+            <a:r>
+              <a:rPr lang="fr-FR" dirty="0" smtClean="0"/>
+              <a:t>Gestion de projets</a:t>
+            </a:r>
           </a:p>
         </p:txBody>
       </p:sp>
@@ -7044,7 +7772,92 @@
       </p:grpSpPr>
       <p:sp>
         <p:nvSpPr>
-          <p:cNvPr id="2" name="Espace réservé du numéro de diapositive 1"/>
+          <p:cNvPr id="2" name="Espace réservé du contenu 1"/>
+          <p:cNvSpPr>
+            <a:spLocks noGrp="1"/>
+          </p:cNvSpPr>
+          <p:nvPr>
+            <p:ph idx="1"/>
+          </p:nvPr>
+        </p:nvSpPr>
+        <p:spPr/>
+        <p:txBody>
+          <a:bodyPr>
+            <a:normAutofit fontScale="92500" lnSpcReduction="20000"/>
+          </a:bodyPr>
+          <a:lstStyle/>
+          <a:p>
+            <a:r>
+              <a:rPr lang="fr-FR" dirty="0" smtClean="0"/>
+              <a:t>MOA :</a:t>
+            </a:r>
+          </a:p>
+          <a:p>
+            <a:pPr lvl="1"/>
+            <a:r>
+              <a:rPr lang="fr-FR" dirty="0" err="1" smtClean="0"/>
+              <a:t>Darties</a:t>
+            </a:r>
+            <a:r>
+              <a:rPr lang="fr-FR" dirty="0" smtClean="0"/>
+              <a:t> représenté par </a:t>
+            </a:r>
+            <a:r>
+              <a:rPr lang="fr-FR" dirty="0" err="1" smtClean="0"/>
+              <a:t>M.Babé</a:t>
+            </a:r>
+            <a:endParaRPr lang="fr-FR" dirty="0" smtClean="0"/>
+          </a:p>
+          <a:p>
+            <a:endParaRPr lang="fr-FR" dirty="0"/>
+          </a:p>
+          <a:p>
+            <a:r>
+              <a:rPr lang="fr-FR" dirty="0" smtClean="0"/>
+              <a:t>MOE : </a:t>
+            </a:r>
+          </a:p>
+          <a:p>
+            <a:pPr lvl="1"/>
+            <a:r>
+              <a:rPr lang="fr-FR" dirty="0"/>
+              <a:t>Direction : 2 </a:t>
+            </a:r>
+            <a:r>
+              <a:rPr lang="fr-FR" dirty="0" smtClean="0"/>
+              <a:t>personnes </a:t>
+            </a:r>
+          </a:p>
+          <a:p>
+            <a:pPr lvl="1"/>
+            <a:r>
+              <a:rPr lang="fr-FR" dirty="0" smtClean="0"/>
+              <a:t>Equipe technique : 13 personnes</a:t>
+            </a:r>
+            <a:endParaRPr lang="fr-FR" dirty="0"/>
+          </a:p>
+          <a:p>
+            <a:pPr marL="0" indent="0">
+              <a:buNone/>
+            </a:pPr>
+            <a:endParaRPr lang="fr-FR" dirty="0"/>
+          </a:p>
+          <a:p>
+            <a:r>
+              <a:rPr lang="fr-FR" dirty="0" smtClean="0"/>
+              <a:t>Dossier SFD concernant les besoins de </a:t>
+            </a:r>
+            <a:r>
+              <a:rPr lang="fr-FR" dirty="0" err="1" smtClean="0"/>
+              <a:t>Darties</a:t>
+            </a:r>
+            <a:endParaRPr lang="fr-FR" dirty="0"/>
+          </a:p>
+        </p:txBody>
+      </p:sp>
+      <p:sp>
+        <p:nvSpPr>
+          <p:cNvPr id="3" name="Espace réservé du numéro de diapositive 2"/>
           <p:cNvSpPr>
             <a:spLocks noGrp="1"/>
           </p:cNvSpPr>
@@ -7074,40 +7887,16 @@
           </a:p>
         </p:txBody>
       </p:sp>
-      <p:sp>
-        <p:nvSpPr>
-          <p:cNvPr id="4" name="Espace réservé du contenu 3"/>
-          <p:cNvSpPr>
-            <a:spLocks noGrp="1"/>
-          </p:cNvSpPr>
-          <p:nvPr>
-            <p:ph idx="1"/>
-          </p:nvPr>
-        </p:nvSpPr>
-        <p:spPr/>
-        <p:txBody>
-          <a:bodyPr/>
-          <a:lstStyle/>
-          <a:p>
-            <a:endParaRPr lang="fr-FR"/>
-          </a:p>
-        </p:txBody>
-      </p:sp>
     </p:spTree>
+    <p:extLst>
+      <p:ext uri="{BB962C8B-B14F-4D97-AF65-F5344CB8AC3E}">
+        <p14:creationId xmlns:p14="http://schemas.microsoft.com/office/powerpoint/2010/main" val="355286507"/>
+      </p:ext>
+    </p:extLst>
   </p:cSld>
   <p:clrMapOvr>
     <a:masterClrMapping/>
   </p:clrMapOvr>
-  <p:transition>
-    <p:fade/>
-  </p:transition>
-  <p:timing>
-    <p:tnLst>
-      <p:par>
-        <p:cTn id="1" dur="indefinite" restart="never" nodeType="tmRoot"/>
-      </p:par>
-    </p:tnLst>
-  </p:timing>
 </p:sld>
 </file>
 
@@ -7130,39 +7919,7 @@
       </p:grpSpPr>
       <p:sp>
         <p:nvSpPr>
-          <p:cNvPr id="2" name="Espace réservé du numéro de diapositive 1"/>
-          <p:cNvSpPr>
-            <a:spLocks noGrp="1"/>
-          </p:cNvSpPr>
-          <p:nvPr>
-            <p:ph type="sldNum" sz="quarter" idx="4"/>
-          </p:nvPr>
-        </p:nvSpPr>
-        <p:spPr/>
-        <p:txBody>
-          <a:bodyPr/>
-          <a:lstStyle/>
-          <a:p>
-            <a:r>
-              <a:rPr lang="fr-FR" smtClean="0"/>
-              <a:t>Groupe 2 : Diapositive </a:t>
-            </a:r>
-            <a:fld id="{DD0687C1-896A-4A7D-8F8C-EE6B0ED28203}" type="slidenum">
-              <a:rPr lang="fr-FR" smtClean="0"/>
-              <a:pPr/>
-              <a:t>4</a:t>
-            </a:fld>
-            <a:r>
-              <a:rPr lang="fr-FR" smtClean="0"/>
-              <a:t> / X</a:t>
-            </a:r>
-            <a:endParaRPr lang="fr-FR" dirty="0"/>
-          </a:p>
-        </p:txBody>
-      </p:sp>
-      <p:sp>
-        <p:nvSpPr>
-          <p:cNvPr id="4" name="Espace réservé du contenu 3"/>
+          <p:cNvPr id="2" name="Espace réservé du contenu 1"/>
           <p:cNvSpPr>
             <a:spLocks noGrp="1"/>
           </p:cNvSpPr>
@@ -7172,28 +7929,117 @@
         </p:nvSpPr>
         <p:spPr/>
         <p:txBody>
-          <a:bodyPr/>
-          <a:lstStyle/>
-          <a:p>
-            <a:endParaRPr lang="fr-FR"/>
+          <a:bodyPr>
+            <a:noAutofit/>
+          </a:bodyPr>
+          <a:lstStyle/>
+          <a:p>
+            <a:r>
+              <a:rPr lang="fr-FR" sz="2400" dirty="0"/>
+              <a:t>Identité </a:t>
+            </a:r>
+            <a:r>
+              <a:rPr lang="fr-FR" sz="2400" dirty="0" err="1"/>
+              <a:t>Darties</a:t>
+            </a:r>
+            <a:endParaRPr lang="fr-FR" sz="2400" dirty="0"/>
+          </a:p>
+          <a:p>
+            <a:pPr>
+              <a:buFont typeface="Arial"/>
+              <a:buChar char="•"/>
+            </a:pPr>
+            <a:r>
+              <a:rPr lang="fr-FR" sz="2400" dirty="0" smtClean="0"/>
+              <a:t>Groupe </a:t>
+            </a:r>
+            <a:r>
+              <a:rPr lang="fr-FR" sz="2400" dirty="0"/>
+              <a:t>Français ayant la volonté de s’étendre à l’étranger</a:t>
+            </a:r>
+          </a:p>
+          <a:p>
+            <a:pPr>
+              <a:buFont typeface="Arial"/>
+              <a:buChar char="•"/>
+            </a:pPr>
+            <a:r>
+              <a:rPr lang="fr-FR" sz="2400" dirty="0"/>
+              <a:t> Activité : Vente et distribution de produits : Fours, Hifi, Magnétoscopes</a:t>
+            </a:r>
+          </a:p>
+          <a:p>
+            <a:pPr>
+              <a:buFont typeface="Arial"/>
+              <a:buChar char="•"/>
+            </a:pPr>
+            <a:r>
+              <a:rPr lang="fr-FR" sz="2400" dirty="0"/>
+              <a:t> 48 magasins implantés sur toute la France à travers 3 enseignes.</a:t>
+            </a:r>
+          </a:p>
+          <a:p>
+            <a:pPr>
+              <a:buFont typeface="Arial"/>
+              <a:buChar char="•"/>
+            </a:pPr>
+            <a:r>
+              <a:rPr lang="fr-FR" sz="2400" dirty="0"/>
+              <a:t> Quelques chiffres</a:t>
+            </a:r>
+          </a:p>
+          <a:p>
+            <a:pPr lvl="1">
+              <a:buFont typeface="Arial"/>
+              <a:buChar char="•"/>
+            </a:pPr>
+            <a:r>
+              <a:rPr lang="fr-FR" sz="2000" dirty="0"/>
+              <a:t>CA en 2010 :</a:t>
+            </a:r>
+          </a:p>
+          <a:p>
+            <a:pPr lvl="1">
+              <a:buFont typeface="Arial"/>
+              <a:buChar char="•"/>
+            </a:pPr>
+            <a:r>
+              <a:rPr lang="fr-FR" sz="2000" dirty="0"/>
+              <a:t>Marge en 2010 :</a:t>
+            </a:r>
+          </a:p>
+          <a:p>
+            <a:endParaRPr lang="fr-FR" sz="2400" dirty="0"/>
+          </a:p>
+          <a:p>
+            <a:pPr>
+              <a:buFont typeface="Arial"/>
+              <a:buChar char="•"/>
+            </a:pPr>
+            <a:endParaRPr lang="fr-FR" sz="2400" dirty="0"/>
+          </a:p>
+          <a:p>
+            <a:pPr>
+              <a:buFont typeface="Arial"/>
+              <a:buChar char="•"/>
+            </a:pPr>
+            <a:endParaRPr lang="fr-FR" sz="2400" dirty="0"/>
+          </a:p>
+          <a:p>
+            <a:endParaRPr lang="fr-FR" sz="2400" dirty="0"/>
           </a:p>
         </p:txBody>
       </p:sp>
     </p:spTree>
+    <p:extLst>
+      <p:ext uri="{BB962C8B-B14F-4D97-AF65-F5344CB8AC3E}">
+        <p14:creationId xmlns:p14="http://schemas.microsoft.com/office/powerpoint/2010/main" val="2737273144"/>
+      </p:ext>
+    </p:extLst>
   </p:cSld>
   <p:clrMapOvr>
     <a:masterClrMapping/>
   </p:clrMapOvr>
-  <p:transition>
-    <p:fade/>
-  </p:transition>
-  <p:timing>
-    <p:tnLst>
-      <p:par>
-        <p:cTn id="1" dur="indefinite" restart="never" nodeType="tmRoot"/>
-      </p:par>
-    </p:tnLst>
-  </p:timing>
 </p:sld>
 </file>
 
@@ -7216,39 +8062,7 @@
       </p:grpSpPr>
       <p:sp>
         <p:nvSpPr>
-          <p:cNvPr id="2" name="Espace réservé du numéro de diapositive 1"/>
-          <p:cNvSpPr>
-            <a:spLocks noGrp="1"/>
-          </p:cNvSpPr>
-          <p:nvPr>
-            <p:ph type="sldNum" sz="quarter" idx="4"/>
-          </p:nvPr>
-        </p:nvSpPr>
-        <p:spPr/>
-        <p:txBody>
-          <a:bodyPr/>
-          <a:lstStyle/>
-          <a:p>
-            <a:r>
-              <a:rPr lang="fr-FR" smtClean="0"/>
-              <a:t>Groupe 2 : Diapositive </a:t>
-            </a:r>
-            <a:fld id="{DD0687C1-896A-4A7D-8F8C-EE6B0ED28203}" type="slidenum">
-              <a:rPr lang="fr-FR" smtClean="0"/>
-              <a:pPr/>
-              <a:t>5</a:t>
-            </a:fld>
-            <a:r>
-              <a:rPr lang="fr-FR" smtClean="0"/>
-              <a:t> / X</a:t>
-            </a:r>
-            <a:endParaRPr lang="fr-FR" dirty="0"/>
-          </a:p>
-        </p:txBody>
-      </p:sp>
-      <p:sp>
-        <p:nvSpPr>
-          <p:cNvPr id="4" name="Espace réservé du contenu 3"/>
+          <p:cNvPr id="2" name="Espace réservé du contenu 1"/>
           <p:cNvSpPr>
             <a:spLocks noGrp="1"/>
           </p:cNvSpPr>
@@ -7258,28 +8072,213 @@
         </p:nvSpPr>
         <p:spPr/>
         <p:txBody>
-          <a:bodyPr/>
-          <a:lstStyle/>
-          <a:p>
-            <a:endParaRPr lang="fr-FR"/>
-          </a:p>
-        </p:txBody>
-      </p:sp>
+          <a:bodyPr>
+            <a:noAutofit/>
+          </a:bodyPr>
+          <a:lstStyle/>
+          <a:p>
+            <a:pPr marL="0" indent="0" algn="ctr">
+              <a:buNone/>
+            </a:pPr>
+            <a:r>
+              <a:rPr lang="fr-FR" dirty="0" smtClean="0"/>
+              <a:t>Les enseignes du groupe</a:t>
+            </a:r>
+            <a:endParaRPr lang="fr-FR" dirty="0"/>
+          </a:p>
+        </p:txBody>
+      </p:sp>
+      <p:pic>
+        <p:nvPicPr>
+          <p:cNvPr id="3" name="Image 2" descr="Capture d’écran 2011-02-13 à 19.35.47.png"/>
+          <p:cNvPicPr>
+            <a:picLocks noChangeAspect="1"/>
+          </p:cNvPicPr>
+          <p:nvPr/>
+        </p:nvPicPr>
+        <p:blipFill>
+          <a:blip r:embed="rId2"/>
+          <a:stretch>
+            <a:fillRect/>
+          </a:stretch>
+        </p:blipFill>
+        <p:spPr>
+          <a:xfrm>
+            <a:off x="1979712" y="2492896"/>
+            <a:ext cx="6717432" cy="1494717"/>
+          </a:xfrm>
+          <a:prstGeom prst="rect">
+            <a:avLst/>
+          </a:prstGeom>
+        </p:spPr>
+      </p:pic>
+      <p:graphicFrame>
+        <p:nvGraphicFramePr>
+          <p:cNvPr id="4" name="Tableau 3"/>
+          <p:cNvGraphicFramePr>
+            <a:graphicFrameLocks noGrp="1"/>
+          </p:cNvGraphicFramePr>
+          <p:nvPr>
+            <p:extLst>
+              <p:ext uri="{D42A27DB-BD31-4B8C-83A1-F6EECF244321}">
+                <p14:modId xmlns:p14="http://schemas.microsoft.com/office/powerpoint/2010/main" val="3070162451"/>
+              </p:ext>
+            </p:extLst>
+          </p:nvPr>
+        </p:nvGraphicFramePr>
+        <p:xfrm>
+          <a:off x="1979712" y="4273945"/>
+          <a:ext cx="6717432" cy="1737360"/>
+        </p:xfrm>
+        <a:graphic>
+          <a:graphicData uri="http://schemas.openxmlformats.org/drawingml/2006/table">
+            <a:tbl>
+              <a:tblPr firstRow="1" bandRow="1">
+                <a:tableStyleId>{5C22544A-7EE6-4342-B048-85BDC9FD1C3A}</a:tableStyleId>
+              </a:tblPr>
+              <a:tblGrid>
+                <a:gridCol w="2239144"/>
+                <a:gridCol w="2239144"/>
+                <a:gridCol w="2239144"/>
+              </a:tblGrid>
+              <a:tr h="1570716">
+                <a:tc>
+                  <a:txBody>
+                    <a:bodyPr/>
+                    <a:lstStyle/>
+                    <a:p>
+                      <a:r>
+                        <a:rPr lang="fr-FR" dirty="0" smtClean="0"/>
+                        <a:t>Créé en 1954</a:t>
+                      </a:r>
+                    </a:p>
+                    <a:p>
+                      <a:r>
+                        <a:rPr lang="fr-FR" dirty="0" smtClean="0"/>
+                        <a:t>Loisir, Multimédia, Electroménager</a:t>
+                      </a:r>
+                    </a:p>
+                    <a:p>
+                      <a:r>
+                        <a:rPr lang="fr-FR" dirty="0" smtClean="0"/>
+                        <a:t>13 magasins </a:t>
+                      </a:r>
+                    </a:p>
+                    <a:p>
+                      <a:r>
+                        <a:rPr lang="fr-FR" dirty="0" smtClean="0"/>
+                        <a:t>Ca</a:t>
+                      </a:r>
+                      <a:r>
+                        <a:rPr lang="fr-FR" baseline="0" dirty="0" smtClean="0"/>
+                        <a:t> en 2010 :</a:t>
+                      </a:r>
+                    </a:p>
+                    <a:p>
+                      <a:r>
+                        <a:rPr lang="fr-FR" dirty="0" smtClean="0"/>
+                        <a:t>Marge en 2010 : </a:t>
+                      </a:r>
+                      <a:endParaRPr lang="fr-FR" dirty="0"/>
+                    </a:p>
+                  </a:txBody>
+                  <a:tcPr/>
+                </a:tc>
+                <a:tc>
+                  <a:txBody>
+                    <a:bodyPr/>
+                    <a:lstStyle/>
+                    <a:p>
+                      <a:r>
+                        <a:rPr lang="fr-FR" dirty="0" smtClean="0"/>
+                        <a:t>Créé en 1927</a:t>
+                      </a:r>
+                    </a:p>
+                    <a:p>
+                      <a:r>
+                        <a:rPr lang="fr-FR" dirty="0" smtClean="0"/>
+                        <a:t>Electroménager,</a:t>
+                      </a:r>
+                      <a:r>
+                        <a:rPr lang="fr-FR" baseline="0" dirty="0" smtClean="0"/>
+                        <a:t> électronique</a:t>
+                      </a:r>
+                    </a:p>
+                    <a:p>
+                      <a:r>
+                        <a:rPr lang="fr-FR" baseline="0" dirty="0" smtClean="0"/>
+                        <a:t>21 magasins</a:t>
+                      </a:r>
+                    </a:p>
+                    <a:p>
+                      <a:r>
+                        <a:rPr lang="fr-FR" baseline="0" dirty="0" smtClean="0"/>
+                        <a:t>CA en 2010 :</a:t>
+                      </a:r>
+                    </a:p>
+                    <a:p>
+                      <a:r>
+                        <a:rPr lang="fr-FR" baseline="0" dirty="0" smtClean="0"/>
+                        <a:t>Marge en 2010 :</a:t>
+                      </a:r>
+                      <a:endParaRPr lang="fr-FR" dirty="0"/>
+                    </a:p>
+                  </a:txBody>
+                  <a:tcPr/>
+                </a:tc>
+                <a:tc>
+                  <a:txBody>
+                    <a:bodyPr/>
+                    <a:lstStyle/>
+                    <a:p>
+                      <a:r>
+                        <a:rPr lang="fr-FR" dirty="0" smtClean="0"/>
+                        <a:t>Créé en 1923</a:t>
+                      </a:r>
+                    </a:p>
+                    <a:p>
+                      <a:r>
+                        <a:rPr lang="fr-FR" dirty="0" smtClean="0"/>
+                        <a:t>Construction, Bricolage,  Jardinage</a:t>
+                      </a:r>
+                    </a:p>
+                    <a:p>
+                      <a:r>
+                        <a:rPr lang="fr-FR" dirty="0" smtClean="0"/>
+                        <a:t>14 magasins</a:t>
+                      </a:r>
+                    </a:p>
+                    <a:p>
+                      <a:r>
+                        <a:rPr lang="fr-FR" dirty="0" smtClean="0"/>
+                        <a:t>CA en 2010 :</a:t>
+                      </a:r>
+                    </a:p>
+                    <a:p>
+                      <a:r>
+                        <a:rPr lang="fr-FR" dirty="0" smtClean="0"/>
+                        <a:t>Marge en 2010 :</a:t>
+                      </a:r>
+                      <a:endParaRPr lang="fr-FR" dirty="0"/>
+                    </a:p>
+                  </a:txBody>
+                  <a:tcPr/>
+                </a:tc>
+              </a:tr>
+            </a:tbl>
+          </a:graphicData>
+        </a:graphic>
+      </p:graphicFrame>
     </p:spTree>
+    <p:extLst>
+      <p:ext uri="{BB962C8B-B14F-4D97-AF65-F5344CB8AC3E}">
+        <p14:creationId xmlns:p14="http://schemas.microsoft.com/office/powerpoint/2010/main" val="2816302534"/>
+      </p:ext>
+    </p:extLst>
   </p:cSld>
   <p:clrMapOvr>
     <a:masterClrMapping/>
   </p:clrMapOvr>
-  <p:transition>
-    <p:fade/>
-  </p:transition>
-  <p:timing>
-    <p:tnLst>
-      <p:par>
-        <p:cTn id="1" dur="indefinite" restart="never" nodeType="tmRoot"/>
-      </p:par>
-    </p:tnLst>
-  </p:timing>
 </p:sld>
 </file>
 
@@ -7302,39 +8301,7 @@
       </p:grpSpPr>
       <p:sp>
         <p:nvSpPr>
-          <p:cNvPr id="2" name="Espace réservé du numéro de diapositive 1"/>
-          <p:cNvSpPr>
-            <a:spLocks noGrp="1"/>
-          </p:cNvSpPr>
-          <p:nvPr>
-            <p:ph type="sldNum" sz="quarter" idx="4"/>
-          </p:nvPr>
-        </p:nvSpPr>
-        <p:spPr/>
-        <p:txBody>
-          <a:bodyPr/>
-          <a:lstStyle/>
-          <a:p>
-            <a:r>
-              <a:rPr lang="fr-FR" smtClean="0"/>
-              <a:t>Groupe 2 : Diapositive </a:t>
-            </a:r>
-            <a:fld id="{DD0687C1-896A-4A7D-8F8C-EE6B0ED28203}" type="slidenum">
-              <a:rPr lang="fr-FR" smtClean="0"/>
-              <a:pPr/>
-              <a:t>6</a:t>
-            </a:fld>
-            <a:r>
-              <a:rPr lang="fr-FR" smtClean="0"/>
-              <a:t> / X</a:t>
-            </a:r>
-            <a:endParaRPr lang="fr-FR" dirty="0"/>
-          </a:p>
-        </p:txBody>
-      </p:sp>
-      <p:sp>
-        <p:nvSpPr>
-          <p:cNvPr id="4" name="Espace réservé du contenu 3"/>
+          <p:cNvPr id="2" name="Espace réservé du contenu 1"/>
           <p:cNvSpPr>
             <a:spLocks noGrp="1"/>
           </p:cNvSpPr>
@@ -7344,28 +8311,62 @@
         </p:nvSpPr>
         <p:spPr/>
         <p:txBody>
-          <a:bodyPr/>
-          <a:lstStyle/>
-          <a:p>
-            <a:endParaRPr lang="fr-FR"/>
+          <a:bodyPr>
+            <a:noAutofit/>
+          </a:bodyPr>
+          <a:lstStyle/>
+          <a:p>
+            <a:pPr marL="0" indent="0" algn="ctr">
+              <a:buNone/>
+            </a:pPr>
+            <a:r>
+              <a:rPr lang="fr-FR" sz="2400" dirty="0" smtClean="0"/>
+              <a:t>Implantations des enseignes</a:t>
+            </a:r>
+          </a:p>
+          <a:p>
+            <a:pPr marL="0" indent="0" algn="ctr">
+              <a:buNone/>
+            </a:pPr>
+            <a:endParaRPr lang="fr-FR" sz="2400" dirty="0" smtClean="0"/>
+          </a:p>
+          <a:p>
+            <a:r>
+              <a:rPr lang="fr-FR" sz="2400" dirty="0" smtClean="0"/>
+              <a:t>Carte </a:t>
+            </a:r>
+            <a:r>
+              <a:rPr lang="fr-FR" sz="2400" dirty="0"/>
+              <a:t>géographique selon les régions commerciales</a:t>
+            </a:r>
+          </a:p>
+          <a:p>
+            <a:r>
+              <a:rPr lang="fr-FR" sz="2400" dirty="0"/>
+              <a:t>CA en 2010 par rapport aux régions</a:t>
+            </a:r>
+          </a:p>
+          <a:p>
+            <a:r>
+              <a:rPr lang="fr-FR" sz="2400" dirty="0"/>
+              <a:t>CA en 2010 par rapport aux régions pour chaque enseigne</a:t>
+            </a:r>
+          </a:p>
+          <a:p>
+            <a:endParaRPr lang="fr-FR" sz="2400" dirty="0"/>
           </a:p>
         </p:txBody>
       </p:sp>
     </p:spTree>
+    <p:extLst>
+      <p:ext uri="{BB962C8B-B14F-4D97-AF65-F5344CB8AC3E}">
+        <p14:creationId xmlns:p14="http://schemas.microsoft.com/office/powerpoint/2010/main" val="680578454"/>
+      </p:ext>
+    </p:extLst>
   </p:cSld>
   <p:clrMapOvr>
     <a:masterClrMapping/>
   </p:clrMapOvr>
-  <p:transition>
-    <p:fade/>
-  </p:transition>
-  <p:timing>
-    <p:tnLst>
-      <p:par>
-        <p:cTn id="1" dur="indefinite" restart="never" nodeType="tmRoot"/>
-      </p:par>
-    </p:tnLst>
-  </p:timing>
 </p:sld>
 </file>
 
@@ -7388,39 +8389,7 @@
       </p:grpSpPr>
       <p:sp>
         <p:nvSpPr>
-          <p:cNvPr id="2" name="Espace réservé du numéro de diapositive 1"/>
-          <p:cNvSpPr>
-            <a:spLocks noGrp="1"/>
-          </p:cNvSpPr>
-          <p:nvPr>
-            <p:ph type="sldNum" sz="quarter" idx="4"/>
-          </p:nvPr>
-        </p:nvSpPr>
-        <p:spPr/>
-        <p:txBody>
-          <a:bodyPr/>
-          <a:lstStyle/>
-          <a:p>
-            <a:r>
-              <a:rPr lang="fr-FR" smtClean="0"/>
-              <a:t>Groupe 2 : Diapositive </a:t>
-            </a:r>
-            <a:fld id="{DD0687C1-896A-4A7D-8F8C-EE6B0ED28203}" type="slidenum">
-              <a:rPr lang="fr-FR" smtClean="0"/>
-              <a:pPr/>
-              <a:t>7</a:t>
-            </a:fld>
-            <a:r>
-              <a:rPr lang="fr-FR" smtClean="0"/>
-              <a:t> / X</a:t>
-            </a:r>
-            <a:endParaRPr lang="fr-FR" dirty="0"/>
-          </a:p>
-        </p:txBody>
-      </p:sp>
-      <p:sp>
-        <p:nvSpPr>
-          <p:cNvPr id="4" name="Espace réservé du contenu 3"/>
+          <p:cNvPr id="2" name="Espace réservé du contenu 1"/>
           <p:cNvSpPr>
             <a:spLocks noGrp="1"/>
           </p:cNvSpPr>
@@ -7430,28 +8399,112 @@
         </p:nvSpPr>
         <p:spPr/>
         <p:txBody>
-          <a:bodyPr/>
-          <a:lstStyle/>
-          <a:p>
-            <a:endParaRPr lang="fr-FR"/>
+          <a:bodyPr>
+            <a:noAutofit/>
+          </a:bodyPr>
+          <a:lstStyle/>
+          <a:p>
+            <a:pPr marL="0" indent="0" algn="ctr">
+              <a:buNone/>
+            </a:pPr>
+            <a:r>
+              <a:rPr lang="fr-FR" sz="2400" dirty="0"/>
+              <a:t>Constat de l’informatique actuelle du </a:t>
+            </a:r>
+            <a:r>
+              <a:rPr lang="fr-FR" sz="2400" dirty="0" smtClean="0"/>
+              <a:t>groupe</a:t>
+            </a:r>
+          </a:p>
+          <a:p>
+            <a:pPr marL="0" indent="0" algn="ctr">
+              <a:buNone/>
+            </a:pPr>
+            <a:endParaRPr lang="fr-FR" sz="2000" dirty="0"/>
+          </a:p>
+          <a:p>
+            <a:r>
+              <a:rPr lang="fr-FR" sz="2000" dirty="0" smtClean="0"/>
+              <a:t>Outil </a:t>
+            </a:r>
+            <a:r>
+              <a:rPr lang="fr-FR" sz="2000" dirty="0"/>
+              <a:t>Microsoft Excel aidant à établir la budgétisation des différentes enseignes. </a:t>
+            </a:r>
+          </a:p>
+          <a:p>
+            <a:pPr>
+              <a:buNone/>
+            </a:pPr>
+            <a:endParaRPr lang="fr-FR" sz="2000" dirty="0"/>
+          </a:p>
+          <a:p>
+            <a:pPr lvl="1">
+              <a:buFont typeface="Wingdings" charset="2"/>
+              <a:buChar char="à"/>
+            </a:pPr>
+            <a:r>
+              <a:rPr lang="fr-FR" sz="1800" dirty="0">
+                <a:sym typeface="Wingdings"/>
+              </a:rPr>
+              <a:t>Les chiffres : les ventes, le chiffre  d’affaires et la marge</a:t>
+            </a:r>
+          </a:p>
+          <a:p>
+            <a:pPr lvl="1">
+              <a:buFont typeface="Wingdings" charset="2"/>
+              <a:buChar char="à"/>
+            </a:pPr>
+            <a:r>
+              <a:rPr lang="fr-FR" sz="1800" dirty="0">
+                <a:sym typeface="Wingdings"/>
+              </a:rPr>
+              <a:t>Analyse du réel par magasin, région commerciale, enseigne, le groupe</a:t>
+            </a:r>
+          </a:p>
+          <a:p>
+            <a:pPr lvl="1">
+              <a:buFont typeface="Wingdings" charset="2"/>
+              <a:buChar char="à"/>
+            </a:pPr>
+            <a:r>
+              <a:rPr lang="fr-FR" sz="1800" dirty="0">
+                <a:sym typeface="Wingdings"/>
+              </a:rPr>
+              <a:t>Etablissement d’objectifs en fonction</a:t>
+            </a:r>
+          </a:p>
+          <a:p>
+            <a:pPr lvl="1">
+              <a:buFont typeface="Wingdings" charset="2"/>
+              <a:buChar char="à"/>
+            </a:pPr>
+            <a:r>
+              <a:rPr lang="fr-FR" sz="1800" dirty="0">
+                <a:sym typeface="Wingdings"/>
+              </a:rPr>
+              <a:t>Etude de la performance</a:t>
+            </a:r>
+            <a:endParaRPr lang="fr-FR" sz="1800" dirty="0"/>
+          </a:p>
+          <a:p>
+            <a:endParaRPr lang="fr-FR" sz="2000" dirty="0"/>
+          </a:p>
+          <a:p>
+            <a:endParaRPr lang="fr-FR" sz="1400" dirty="0"/>
           </a:p>
         </p:txBody>
       </p:sp>
     </p:spTree>
+    <p:extLst>
+      <p:ext uri="{BB962C8B-B14F-4D97-AF65-F5344CB8AC3E}">
+        <p14:creationId xmlns:p14="http://schemas.microsoft.com/office/powerpoint/2010/main" val="680578454"/>
+      </p:ext>
+    </p:extLst>
   </p:cSld>
   <p:clrMapOvr>
     <a:masterClrMapping/>
   </p:clrMapOvr>
-  <p:transition>
-    <p:fade/>
-  </p:transition>
-  <p:timing>
-    <p:tnLst>
-      <p:par>
-        <p:cTn id="1" dur="indefinite" restart="never" nodeType="tmRoot"/>
-      </p:par>
-    </p:tnLst>
-  </p:timing>
 </p:sld>
 </file>
 
@@ -7474,39 +8527,7 @@
       </p:grpSpPr>
       <p:sp>
         <p:nvSpPr>
-          <p:cNvPr id="2" name="Espace réservé du numéro de diapositive 1"/>
-          <p:cNvSpPr>
-            <a:spLocks noGrp="1"/>
-          </p:cNvSpPr>
-          <p:nvPr>
-            <p:ph type="sldNum" sz="quarter" idx="4"/>
-          </p:nvPr>
-        </p:nvSpPr>
-        <p:spPr/>
-        <p:txBody>
-          <a:bodyPr/>
-          <a:lstStyle/>
-          <a:p>
-            <a:r>
-              <a:rPr lang="fr-FR" smtClean="0"/>
-              <a:t>Groupe 2 : Diapositive </a:t>
-            </a:r>
-            <a:fld id="{DD0687C1-896A-4A7D-8F8C-EE6B0ED28203}" type="slidenum">
-              <a:rPr lang="fr-FR" smtClean="0"/>
-              <a:pPr/>
-              <a:t>8</a:t>
-            </a:fld>
-            <a:r>
-              <a:rPr lang="fr-FR" smtClean="0"/>
-              <a:t> / X</a:t>
-            </a:r>
-            <a:endParaRPr lang="fr-FR" dirty="0"/>
-          </a:p>
-        </p:txBody>
-      </p:sp>
-      <p:sp>
-        <p:nvSpPr>
-          <p:cNvPr id="4" name="Espace réservé du contenu 3"/>
+          <p:cNvPr id="2" name="Espace réservé du contenu 1"/>
           <p:cNvSpPr>
             <a:spLocks noGrp="1"/>
           </p:cNvSpPr>
@@ -7516,28 +8537,102 @@
         </p:nvSpPr>
         <p:spPr/>
         <p:txBody>
-          <a:bodyPr/>
-          <a:lstStyle/>
-          <a:p>
-            <a:endParaRPr lang="fr-FR"/>
+          <a:bodyPr>
+            <a:noAutofit/>
+          </a:bodyPr>
+          <a:lstStyle/>
+          <a:p>
+            <a:pPr marL="0" indent="0" algn="ctr">
+              <a:buNone/>
+            </a:pPr>
+            <a:r>
+              <a:rPr lang="fr-FR" sz="2400" dirty="0"/>
+              <a:t>Disfonctionnements occasionnés</a:t>
+            </a:r>
+            <a:endParaRPr lang="fr-FR" sz="2400" dirty="0" smtClean="0"/>
+          </a:p>
+          <a:p>
+            <a:r>
+              <a:rPr lang="fr-FR" sz="2000" dirty="0" smtClean="0"/>
+              <a:t>Stratégie </a:t>
+            </a:r>
+            <a:r>
+              <a:rPr lang="fr-FR" sz="2000" dirty="0"/>
+              <a:t>du groupe en péril</a:t>
+            </a:r>
+          </a:p>
+          <a:p>
+            <a:pPr lvl="1"/>
+            <a:r>
+              <a:rPr lang="fr-FR" sz="1800" dirty="0"/>
+              <a:t>Difficultés de cerner les dysfonctionnements du groupe en temps réel et de prendre des décisions</a:t>
+            </a:r>
+          </a:p>
+          <a:p>
+            <a:r>
+              <a:rPr lang="fr-FR" sz="2000" dirty="0"/>
+              <a:t>Application</a:t>
+            </a:r>
+          </a:p>
+          <a:p>
+            <a:pPr lvl="1"/>
+            <a:r>
+              <a:rPr lang="fr-FR" sz="1800" dirty="0"/>
+              <a:t>Ne répond plus aux exigences des dirigeants</a:t>
+            </a:r>
+          </a:p>
+          <a:p>
+            <a:pPr lvl="1"/>
+            <a:r>
+              <a:rPr lang="fr-FR" sz="1800" dirty="0"/>
+              <a:t>Perte de temps dans la saisie des données et l’établissement des calculs</a:t>
+            </a:r>
+          </a:p>
+          <a:p>
+            <a:r>
+              <a:rPr lang="fr-FR" sz="2000" dirty="0"/>
+              <a:t>Données </a:t>
+            </a:r>
+          </a:p>
+          <a:p>
+            <a:pPr lvl="1"/>
+            <a:r>
+              <a:rPr lang="fr-FR" sz="1800" dirty="0"/>
+              <a:t>Complexes parfois inexploitables</a:t>
+            </a:r>
+          </a:p>
+          <a:p>
+            <a:pPr lvl="1"/>
+            <a:r>
+              <a:rPr lang="fr-FR" sz="1800" dirty="0"/>
+              <a:t>Redondantes </a:t>
+            </a:r>
+          </a:p>
+          <a:p>
+            <a:pPr lvl="1"/>
+            <a:r>
+              <a:rPr lang="fr-FR" sz="1800" dirty="0"/>
+              <a:t>Unicité et cohérence non garanties</a:t>
+            </a:r>
+          </a:p>
+          <a:p>
+            <a:endParaRPr lang="fr-FR" sz="2000" dirty="0"/>
+          </a:p>
+          <a:p>
+            <a:endParaRPr lang="fr-FR" sz="1600" dirty="0"/>
           </a:p>
         </p:txBody>
       </p:sp>
     </p:spTree>
+    <p:extLst>
+      <p:ext uri="{BB962C8B-B14F-4D97-AF65-F5344CB8AC3E}">
+        <p14:creationId xmlns:p14="http://schemas.microsoft.com/office/powerpoint/2010/main" val="680578454"/>
+      </p:ext>
+    </p:extLst>
   </p:cSld>
   <p:clrMapOvr>
     <a:masterClrMapping/>
   </p:clrMapOvr>
-  <p:transition>
-    <p:fade/>
-  </p:transition>
-  <p:timing>
-    <p:tnLst>
-      <p:par>
-        <p:cTn id="1" dur="indefinite" restart="never" nodeType="tmRoot"/>
-      </p:par>
-    </p:tnLst>
-  </p:timing>
 </p:sld>
 </file>
 
@@ -7605,7 +8700,7 @@
           <a:bodyPr/>
           <a:lstStyle/>
           <a:p>
-            <a:endParaRPr lang="fr-FR"/>
+            <a:endParaRPr lang="fr-FR" dirty="0"/>
           </a:p>
         </p:txBody>
       </p:sp>
